--- a/presentation.pptx
+++ b/presentation.pptx
@@ -317,7 +317,7 @@
           <a:p>
             <a:fld id="{E42CCEF1-D5D7-4A61-9B44-E89BDD4A9D34}" type="datetimeFigureOut">
               <a:rPr lang="en-GB" smtClean="0"/>
-              <a:t>07/09/2019</a:t>
+              <a:t>09/09/2019</a:t>
             </a:fld>
             <a:endParaRPr lang="en-GB"/>
           </a:p>
@@ -517,7 +517,7 @@
           <a:p>
             <a:fld id="{E42CCEF1-D5D7-4A61-9B44-E89BDD4A9D34}" type="datetimeFigureOut">
               <a:rPr lang="en-GB" smtClean="0"/>
-              <a:t>07/09/2019</a:t>
+              <a:t>09/09/2019</a:t>
             </a:fld>
             <a:endParaRPr lang="en-GB"/>
           </a:p>
@@ -727,7 +727,7 @@
           <a:p>
             <a:fld id="{E42CCEF1-D5D7-4A61-9B44-E89BDD4A9D34}" type="datetimeFigureOut">
               <a:rPr lang="en-GB" smtClean="0"/>
-              <a:t>07/09/2019</a:t>
+              <a:t>09/09/2019</a:t>
             </a:fld>
             <a:endParaRPr lang="en-GB"/>
           </a:p>
@@ -927,7 +927,7 @@
           <a:p>
             <a:fld id="{E42CCEF1-D5D7-4A61-9B44-E89BDD4A9D34}" type="datetimeFigureOut">
               <a:rPr lang="en-GB" smtClean="0"/>
-              <a:t>07/09/2019</a:t>
+              <a:t>09/09/2019</a:t>
             </a:fld>
             <a:endParaRPr lang="en-GB"/>
           </a:p>
@@ -1203,7 +1203,7 @@
           <a:p>
             <a:fld id="{E42CCEF1-D5D7-4A61-9B44-E89BDD4A9D34}" type="datetimeFigureOut">
               <a:rPr lang="en-GB" smtClean="0"/>
-              <a:t>07/09/2019</a:t>
+              <a:t>09/09/2019</a:t>
             </a:fld>
             <a:endParaRPr lang="en-GB"/>
           </a:p>
@@ -1471,7 +1471,7 @@
           <a:p>
             <a:fld id="{E42CCEF1-D5D7-4A61-9B44-E89BDD4A9D34}" type="datetimeFigureOut">
               <a:rPr lang="en-GB" smtClean="0"/>
-              <a:t>07/09/2019</a:t>
+              <a:t>09/09/2019</a:t>
             </a:fld>
             <a:endParaRPr lang="en-GB"/>
           </a:p>
@@ -1886,7 +1886,7 @@
           <a:p>
             <a:fld id="{E42CCEF1-D5D7-4A61-9B44-E89BDD4A9D34}" type="datetimeFigureOut">
               <a:rPr lang="en-GB" smtClean="0"/>
-              <a:t>07/09/2019</a:t>
+              <a:t>09/09/2019</a:t>
             </a:fld>
             <a:endParaRPr lang="en-GB"/>
           </a:p>
@@ -2028,7 +2028,7 @@
           <a:p>
             <a:fld id="{E42CCEF1-D5D7-4A61-9B44-E89BDD4A9D34}" type="datetimeFigureOut">
               <a:rPr lang="en-GB" smtClean="0"/>
-              <a:t>07/09/2019</a:t>
+              <a:t>09/09/2019</a:t>
             </a:fld>
             <a:endParaRPr lang="en-GB"/>
           </a:p>
@@ -2141,7 +2141,7 @@
           <a:p>
             <a:fld id="{E42CCEF1-D5D7-4A61-9B44-E89BDD4A9D34}" type="datetimeFigureOut">
               <a:rPr lang="en-GB" smtClean="0"/>
-              <a:t>07/09/2019</a:t>
+              <a:t>09/09/2019</a:t>
             </a:fld>
             <a:endParaRPr lang="en-GB"/>
           </a:p>
@@ -2454,7 +2454,7 @@
           <a:p>
             <a:fld id="{E42CCEF1-D5D7-4A61-9B44-E89BDD4A9D34}" type="datetimeFigureOut">
               <a:rPr lang="en-GB" smtClean="0"/>
-              <a:t>07/09/2019</a:t>
+              <a:t>09/09/2019</a:t>
             </a:fld>
             <a:endParaRPr lang="en-GB"/>
           </a:p>
@@ -2743,7 +2743,7 @@
           <a:p>
             <a:fld id="{E42CCEF1-D5D7-4A61-9B44-E89BDD4A9D34}" type="datetimeFigureOut">
               <a:rPr lang="en-GB" smtClean="0"/>
-              <a:t>07/09/2019</a:t>
+              <a:t>09/09/2019</a:t>
             </a:fld>
             <a:endParaRPr lang="en-GB"/>
           </a:p>
@@ -2986,7 +2986,7 @@
           <a:p>
             <a:fld id="{E42CCEF1-D5D7-4A61-9B44-E89BDD4A9D34}" type="datetimeFigureOut">
               <a:rPr lang="en-GB" smtClean="0"/>
-              <a:t>07/09/2019</a:t>
+              <a:t>09/09/2019</a:t>
             </a:fld>
             <a:endParaRPr lang="en-GB"/>
           </a:p>
@@ -14320,7 +14320,25 @@
                 </a:solidFill>
                 <a:latin typeface="Montserrat" panose="00000500000000000000" pitchFamily="2" charset="0"/>
               </a:rPr>
-              <a:t> Load “Practical_1.R” in </a:t>
+              <a:t> Load “</a:t>
+            </a:r>
+            <a:r>
+              <a:rPr lang="en-GB" sz="1400">
+                <a:solidFill>
+                  <a:schemeClr val="bg1"/>
+                </a:solidFill>
+                <a:latin typeface="Montserrat" panose="00000500000000000000" pitchFamily="2" charset="0"/>
+              </a:rPr>
+              <a:t>practical_one.</a:t>
+            </a:r>
+            <a:r>
+              <a:rPr lang="en-GB" sz="1400" dirty="0">
+                <a:solidFill>
+                  <a:schemeClr val="bg1"/>
+                </a:solidFill>
+                <a:latin typeface="Montserrat" panose="00000500000000000000" pitchFamily="2" charset="0"/>
+              </a:rPr>
+              <a:t>R” in </a:t>
             </a:r>
             <a:r>
               <a:rPr lang="en-GB" sz="1400" dirty="0" err="1">
@@ -19925,7 +19943,7 @@
                 </a:solidFill>
                 <a:latin typeface="Montserrat" panose="00000500000000000000" pitchFamily="2" charset="0"/>
               </a:rPr>
-              <a:t>Practical_.R</a:t>
+              <a:t>practical_two.R</a:t>
             </a:r>
             <a:r>
               <a:rPr lang="en-GB" sz="1600" b="1" dirty="0">
